--- a/jtyrrell/SYE_Poster_Final.pptx
+++ b/jtyrrell/SYE_Poster_Final.pptx
@@ -5,7 +5,7 @@
     <p:sldMasterId id="2147483660" r:id="rId1"/>
   </p:sldMasterIdLst>
   <p:sldIdLst>
-    <p:sldId id="256" r:id="rId2"/>
+    <p:sldId id="257" r:id="rId2"/>
   </p:sldIdLst>
   <p:sldSz cx="43891200" cy="32918400"/>
   <p:notesSz cx="6858000" cy="9144000"/>
@@ -127,6 +127,14 @@
 <p188:authorLst xmlns:a="http://schemas.openxmlformats.org/drawingml/2006/main" xmlns:r="http://schemas.openxmlformats.org/officeDocument/2006/relationships" xmlns:p188="http://schemas.microsoft.com/office/powerpoint/2018/8/main">
   <p188:author id="{A51B6F37-B3E1-AFA4-F2DD-FF30D967A239}" name="Matthew Maslow" initials="MM" userId="S::mjmasl20@stlawu.edu::1ce7970f-4ea1-47bb-a8d0-63fe802cde15" providerId="AD"/>
 </p188:authorLst>
+</file>
+
+<file path=ppt/revisionInfo.xml><?xml version="1.0" encoding="utf-8"?>
+<p1510:revInfo xmlns:a="http://schemas.openxmlformats.org/drawingml/2006/main" xmlns:r="http://schemas.openxmlformats.org/officeDocument/2006/relationships" xmlns:p1510="http://schemas.microsoft.com/office/powerpoint/2015/10/main">
+  <p1510:revLst>
+    <p1510:client id="{3350BC41-B5B8-034C-98CF-372A580BC6E9}" v="9" dt="2025-04-17T14:25:11.020"/>
+  </p1510:revLst>
+</p1510:revInfo>
 </file>
 
 <file path=ppt/slideLayouts/slideLayout1.xml><?xml version="1.0" encoding="utf-8"?>
@@ -3481,8 +3489,8 @@
         </p:nvSpPr>
         <p:spPr>
           <a:xfrm>
-            <a:off x="15272643" y="22847194"/>
-            <a:ext cx="13344023" cy="9130576"/>
+            <a:off x="15272643" y="22060603"/>
+            <a:ext cx="14121466" cy="9684574"/>
           </a:xfrm>
           <a:prstGeom prst="rect">
             <a:avLst/>
@@ -3501,7 +3509,7 @@
               </a:lnSpc>
             </a:pPr>
             <a:r>
-              <a:rPr lang="en-US" sz="3600" dirty="0">
+              <a:rPr lang="en-US" sz="4800" dirty="0">
                 <a:solidFill>
                   <a:schemeClr val="bg1"/>
                 </a:solidFill>
@@ -3664,7 +3672,7 @@
         <p:spPr>
           <a:xfrm>
             <a:off x="29895499" y="17740797"/>
-            <a:ext cx="13015645" cy="13542169"/>
+            <a:ext cx="13015645" cy="13696057"/>
           </a:xfrm>
           <a:prstGeom prst="rect">
             <a:avLst/>
@@ -3678,7 +3686,7 @@
           <a:lstStyle/>
           <a:p>
             <a:r>
-              <a:rPr lang="en-US" sz="3800" dirty="0">
+              <a:rPr lang="en-US" sz="4800" dirty="0">
                 <a:solidFill>
                   <a:schemeClr val="bg1"/>
                 </a:solidFill>
@@ -3921,7 +3929,7 @@
         </p:nvSpPr>
         <p:spPr>
           <a:xfrm>
-            <a:off x="8127150" y="16668265"/>
+            <a:off x="8322217" y="10201581"/>
             <a:ext cx="6082201" cy="4401205"/>
           </a:xfrm>
           <a:prstGeom prst="rect">
@@ -4031,7 +4039,8 @@
                 <a:solidFill>
                   <a:schemeClr val="bg1"/>
                 </a:solidFill>
-                <a:latin typeface="Garamond" panose="02020404030301010803" pitchFamily="18" charset="0"/>
+                <a:latin typeface="Arial" panose="020B0604020202020204" pitchFamily="34" charset="0"/>
+                <a:cs typeface="Arial" panose="020B0604020202020204" pitchFamily="34" charset="0"/>
               </a:rPr>
               <a:t>What is SCORE?</a:t>
             </a:r>
@@ -4052,7 +4061,7 @@
         </p:nvSpPr>
         <p:spPr>
           <a:xfrm>
-            <a:off x="8204646" y="20951737"/>
+            <a:off x="8501876" y="14907997"/>
             <a:ext cx="5265371" cy="4401205"/>
           </a:xfrm>
           <a:prstGeom prst="rect">
@@ -4131,7 +4140,7 @@
         </p:nvSpPr>
         <p:spPr>
           <a:xfrm>
-            <a:off x="1103827" y="24963898"/>
+            <a:off x="1199645" y="18029681"/>
             <a:ext cx="5748338" cy="1938992"/>
           </a:xfrm>
           <a:prstGeom prst="rect">
@@ -4192,7 +4201,7 @@
         </p:nvSpPr>
         <p:spPr>
           <a:xfrm>
-            <a:off x="1122137" y="27381152"/>
+            <a:off x="1016192" y="20421778"/>
             <a:ext cx="5748338" cy="3785652"/>
           </a:xfrm>
           <a:prstGeom prst="rect">
@@ -4254,7 +4263,7 @@
         <p:spPr>
           <a:xfrm>
             <a:off x="15368664" y="14775439"/>
-            <a:ext cx="12849071" cy="3046988"/>
+            <a:ext cx="12849071" cy="2585323"/>
           </a:xfrm>
           <a:prstGeom prst="rect">
             <a:avLst/>
@@ -4284,7 +4293,7 @@
               <a:buChar char="•"/>
             </a:pPr>
             <a:r>
-              <a:rPr lang="en-US" sz="4800" dirty="0">
+              <a:rPr lang="en-US" sz="3800" dirty="0">
                 <a:solidFill>
                   <a:schemeClr val="bg1"/>
                 </a:solidFill>
@@ -4479,7 +4488,7 @@
         </p:blipFill>
         <p:spPr>
           <a:xfrm>
-            <a:off x="21665025" y="10515111"/>
+            <a:off x="21566720" y="10576792"/>
             <a:ext cx="6146800" cy="4013200"/>
           </a:xfrm>
           <a:prstGeom prst="rect">
@@ -4591,7 +4600,7 @@
         </p:blipFill>
         <p:spPr>
           <a:xfrm>
-            <a:off x="15209356" y="17996361"/>
+            <a:off x="15269240" y="17386551"/>
             <a:ext cx="5909305" cy="4850833"/>
           </a:xfrm>
           <a:prstGeom prst="rect">
@@ -4621,7 +4630,7 @@
         </p:blipFill>
         <p:spPr>
           <a:xfrm>
-            <a:off x="21236675" y="18007874"/>
+            <a:off x="21291888" y="17398652"/>
             <a:ext cx="7112000" cy="4787900"/>
           </a:xfrm>
           <a:prstGeom prst="rect">
@@ -4680,7 +4689,7 @@
         </p:blipFill>
         <p:spPr>
           <a:xfrm>
-            <a:off x="975634" y="16993054"/>
+            <a:off x="1171109" y="10494920"/>
             <a:ext cx="6869535" cy="6857448"/>
           </a:xfrm>
           <a:prstGeom prst="rect">
@@ -4710,7 +4719,7 @@
         </p:blipFill>
         <p:spPr>
           <a:xfrm>
-            <a:off x="7352167" y="25667240"/>
+            <a:off x="7178599" y="19577622"/>
             <a:ext cx="6799566" cy="4865400"/>
           </a:xfrm>
           <a:prstGeom prst="rect">
@@ -4734,8 +4743,8 @@
         </p:nvSpPr>
         <p:spPr bwMode="auto">
           <a:xfrm>
-            <a:off x="1122137" y="7439924"/>
-            <a:ext cx="12964827" cy="8710077"/>
+            <a:off x="1122137" y="7939993"/>
+            <a:ext cx="12964827" cy="2308324"/>
           </a:xfrm>
           <a:prstGeom prst="rect">
             <a:avLst/>
@@ -4783,153 +4792,16 @@
           </a:bodyPr>
           <a:lstStyle/>
           <a:p>
-            <a:pPr marL="0" marR="0" lvl="0" indent="0" algn="l" defTabSz="914400" rtl="0" eaLnBrk="0" fontAlgn="base" latinLnBrk="0" hangingPunct="0">
-              <a:lnSpc>
-                <a:spcPct val="100000"/>
-              </a:lnSpc>
+            <a:pPr defTabSz="914400" eaLnBrk="0" fontAlgn="base" hangingPunct="0">
               <a:spcBef>
                 <a:spcPct val="0"/>
               </a:spcBef>
               <a:spcAft>
                 <a:spcPct val="0"/>
               </a:spcAft>
-              <a:buClrTx/>
-              <a:buSzTx/>
-              <a:buFontTx/>
-              <a:buNone/>
-              <a:tabLst/>
             </a:pPr>
             <a:r>
-              <a:rPr kumimoji="0" lang="en-US" altLang="en-US" sz="4000" b="0" i="0" u="none" strike="noStrike" cap="none" normalizeH="0" baseline="0" dirty="0">
-                <a:ln>
-                  <a:noFill/>
-                </a:ln>
-                <a:solidFill>
-                  <a:schemeClr val="bg1"/>
-                </a:solidFill>
-                <a:effectLst/>
-                <a:latin typeface="Arial" panose="020B0604020202020204" pitchFamily="34" charset="0"/>
-                <a:ea typeface="Times New Roman" panose="02020603050405020304" pitchFamily="18" charset="0"/>
-                <a:cs typeface="Arial" panose="020B0604020202020204" pitchFamily="34" charset="0"/>
-              </a:rPr>
-              <a:t>- In both the men’s and women’s game, gaining possession of the faceoff (men’s) or draw control (women’s) is a crucial factor in determining success. </a:t>
-            </a:r>
-          </a:p>
-          <a:p>
-            <a:pPr marL="0" marR="0" lvl="0" indent="0" algn="l" defTabSz="914400" rtl="0" eaLnBrk="0" fontAlgn="base" latinLnBrk="0" hangingPunct="0">
-              <a:lnSpc>
-                <a:spcPct val="100000"/>
-              </a:lnSpc>
-              <a:spcBef>
-                <a:spcPct val="0"/>
-              </a:spcBef>
-              <a:spcAft>
-                <a:spcPct val="0"/>
-              </a:spcAft>
-              <a:buClrTx/>
-              <a:buSzTx/>
-              <a:buFontTx/>
-              <a:buNone/>
-              <a:tabLst/>
-            </a:pPr>
-            <a:endParaRPr lang="en-US" altLang="en-US" sz="4000" dirty="0">
-              <a:solidFill>
-                <a:schemeClr val="bg1"/>
-              </a:solidFill>
-              <a:latin typeface="Arial" panose="020B0604020202020204" pitchFamily="34" charset="0"/>
-              <a:ea typeface="Times New Roman" panose="02020603050405020304" pitchFamily="18" charset="0"/>
-              <a:cs typeface="Arial" panose="020B0604020202020204" pitchFamily="34" charset="0"/>
-            </a:endParaRPr>
-          </a:p>
-          <a:p>
-            <a:pPr marL="0" marR="0" lvl="0" indent="0" algn="l" defTabSz="914400" rtl="0" eaLnBrk="0" fontAlgn="base" latinLnBrk="0" hangingPunct="0">
-              <a:lnSpc>
-                <a:spcPct val="100000"/>
-              </a:lnSpc>
-              <a:spcBef>
-                <a:spcPct val="0"/>
-              </a:spcBef>
-              <a:spcAft>
-                <a:spcPct val="0"/>
-              </a:spcAft>
-              <a:buClrTx/>
-              <a:buSzTx/>
-              <a:buFontTx/>
-              <a:buNone/>
-              <a:tabLst/>
-            </a:pPr>
-            <a:r>
-              <a:rPr lang="en-US" altLang="en-US" sz="4000" dirty="0">
-                <a:solidFill>
-                  <a:schemeClr val="bg1"/>
-                </a:solidFill>
-                <a:latin typeface="Arial" panose="020B0604020202020204" pitchFamily="34" charset="0"/>
-                <a:ea typeface="Times New Roman" panose="02020603050405020304" pitchFamily="18" charset="0"/>
-                <a:cs typeface="Arial" panose="020B0604020202020204" pitchFamily="34" charset="0"/>
-              </a:rPr>
-              <a:t>- </a:t>
-            </a:r>
-            <a:r>
-              <a:rPr kumimoji="0" lang="en-US" altLang="en-US" sz="4000" b="0" i="0" u="none" strike="noStrike" cap="none" normalizeH="0" baseline="0" dirty="0">
-                <a:ln>
-                  <a:noFill/>
-                </a:ln>
-                <a:solidFill>
-                  <a:schemeClr val="bg1"/>
-                </a:solidFill>
-                <a:effectLst/>
-                <a:latin typeface="Arial" panose="020B0604020202020204" pitchFamily="34" charset="0"/>
-                <a:ea typeface="Times New Roman" panose="02020603050405020304" pitchFamily="18" charset="0"/>
-                <a:cs typeface="Arial" panose="020B0604020202020204" pitchFamily="34" charset="0"/>
-              </a:rPr>
-              <a:t>Analyzing faceoff data can provide students with a realistic application to regression modeling by looking into how much of an impact winning the draw/face-off has on the final results of a lacrosse game for both men and women. </a:t>
-            </a:r>
-          </a:p>
-          <a:p>
-            <a:pPr marL="0" marR="0" lvl="0" indent="0" algn="l" defTabSz="914400" rtl="0" eaLnBrk="0" fontAlgn="base" latinLnBrk="0" hangingPunct="0">
-              <a:lnSpc>
-                <a:spcPct val="100000"/>
-              </a:lnSpc>
-              <a:spcBef>
-                <a:spcPct val="0"/>
-              </a:spcBef>
-              <a:spcAft>
-                <a:spcPct val="0"/>
-              </a:spcAft>
-              <a:buClrTx/>
-              <a:buSzTx/>
-              <a:buFontTx/>
-              <a:buNone/>
-              <a:tabLst/>
-            </a:pPr>
-            <a:endParaRPr lang="en-US" altLang="en-US" sz="4000" dirty="0">
-              <a:solidFill>
-                <a:schemeClr val="bg1"/>
-              </a:solidFill>
-              <a:latin typeface="Arial" panose="020B0604020202020204" pitchFamily="34" charset="0"/>
-              <a:ea typeface="Times New Roman" panose="02020603050405020304" pitchFamily="18" charset="0"/>
-              <a:cs typeface="Arial" panose="020B0604020202020204" pitchFamily="34" charset="0"/>
-            </a:endParaRPr>
-          </a:p>
-          <a:p>
-            <a:pPr marL="0" marR="0" lvl="0" indent="0" algn="l" defTabSz="914400" rtl="0" eaLnBrk="0" fontAlgn="base" latinLnBrk="0" hangingPunct="0">
-              <a:lnSpc>
-                <a:spcPct val="100000"/>
-              </a:lnSpc>
-              <a:spcBef>
-                <a:spcPct val="0"/>
-              </a:spcBef>
-              <a:spcAft>
-                <a:spcPct val="0"/>
-              </a:spcAft>
-              <a:buClrTx/>
-              <a:buSzTx/>
-              <a:buFontTx/>
-              <a:buNone/>
-              <a:tabLst/>
-            </a:pPr>
-            <a:r>
-              <a:rPr kumimoji="0" lang="en-US" altLang="en-US" sz="4000" b="0" i="0" u="none" strike="noStrike" cap="none" normalizeH="0" baseline="0" dirty="0">
+              <a:rPr kumimoji="0" lang="en-US" altLang="en-US" sz="3600" b="0" i="0" u="none" strike="noStrike" cap="none" normalizeH="0" baseline="0" dirty="0">
                 <a:ln>
                   <a:noFill/>
                 </a:ln>
@@ -4943,7 +4815,7 @@
               </a:rPr>
               <a:t>- The SCORE Network is an NSF-funded national network focused on developing and distributing Sports Content for Outreach, Research, and Education in the fields of statistics and data science.</a:t>
             </a:r>
-            <a:endParaRPr kumimoji="0" lang="en-US" altLang="en-US" sz="4000" b="0" i="0" u="none" strike="noStrike" cap="none" normalizeH="0" baseline="0" dirty="0">
+            <a:endParaRPr kumimoji="0" lang="en-US" altLang="en-US" sz="3600" b="0" i="0" u="none" strike="noStrike" cap="none" normalizeH="0" baseline="0" dirty="0">
               <a:ln>
                 <a:noFill/>
               </a:ln>
@@ -4987,10 +4859,183 @@
           </a:prstGeom>
         </p:spPr>
       </p:pic>
+      <p:sp>
+        <p:nvSpPr>
+          <p:cNvPr id="2" name="TextBox 1">
+            <a:extLst>
+              <a:ext uri="{FF2B5EF4-FFF2-40B4-BE49-F238E27FC236}">
+                <a16:creationId xmlns:a16="http://schemas.microsoft.com/office/drawing/2014/main" id="{6F506276-986A-31C1-981C-4CA6855E1A4B}"/>
+              </a:ext>
+            </a:extLst>
+          </p:cNvPr>
+          <p:cNvSpPr txBox="1"/>
+          <p:nvPr/>
+        </p:nvSpPr>
+        <p:spPr>
+          <a:xfrm>
+            <a:off x="1285330" y="26176825"/>
+            <a:ext cx="12721239" cy="5632311"/>
+          </a:xfrm>
+          <a:prstGeom prst="rect">
+            <a:avLst/>
+          </a:prstGeom>
+          <a:noFill/>
+        </p:spPr>
+        <p:txBody>
+          <a:bodyPr wrap="square" rtlCol="0">
+            <a:spAutoFit/>
+          </a:bodyPr>
+          <a:lstStyle/>
+          <a:p>
+            <a:pPr marL="0" marR="0" lvl="0" indent="0" algn="l" defTabSz="914400" rtl="0" eaLnBrk="0" fontAlgn="base" latinLnBrk="0" hangingPunct="0">
+              <a:lnSpc>
+                <a:spcPct val="100000"/>
+              </a:lnSpc>
+              <a:spcBef>
+                <a:spcPct val="0"/>
+              </a:spcBef>
+              <a:spcAft>
+                <a:spcPct val="0"/>
+              </a:spcAft>
+              <a:buClrTx/>
+              <a:buSzTx/>
+              <a:buFontTx/>
+              <a:buNone/>
+              <a:tabLst/>
+            </a:pPr>
+            <a:r>
+              <a:rPr kumimoji="0" lang="en-US" altLang="en-US" sz="4000" b="0" i="0" u="none" strike="noStrike" cap="none" normalizeH="0" baseline="0" dirty="0">
+                <a:ln>
+                  <a:noFill/>
+                </a:ln>
+                <a:solidFill>
+                  <a:schemeClr val="bg1"/>
+                </a:solidFill>
+                <a:effectLst/>
+                <a:latin typeface="Arial" panose="020B0604020202020204" pitchFamily="34" charset="0"/>
+                <a:ea typeface="Times New Roman" panose="02020603050405020304" pitchFamily="18" charset="0"/>
+                <a:cs typeface="Arial" panose="020B0604020202020204" pitchFamily="34" charset="0"/>
+              </a:rPr>
+              <a:t>- In both the men’s and women’s game, gaining possession of the faceoff (men’s) or draw control (women’s) is a crucial factor in determining success. </a:t>
+            </a:r>
+          </a:p>
+          <a:p>
+            <a:pPr marL="0" marR="0" lvl="0" indent="0" algn="l" defTabSz="914400" rtl="0" eaLnBrk="0" fontAlgn="base" latinLnBrk="0" hangingPunct="0">
+              <a:lnSpc>
+                <a:spcPct val="100000"/>
+              </a:lnSpc>
+              <a:spcBef>
+                <a:spcPct val="0"/>
+              </a:spcBef>
+              <a:spcAft>
+                <a:spcPct val="0"/>
+              </a:spcAft>
+              <a:buClrTx/>
+              <a:buSzTx/>
+              <a:buFontTx/>
+              <a:buNone/>
+              <a:tabLst/>
+            </a:pPr>
+            <a:endParaRPr lang="en-US" altLang="en-US" sz="4000" dirty="0">
+              <a:solidFill>
+                <a:schemeClr val="bg1"/>
+              </a:solidFill>
+              <a:latin typeface="Arial" panose="020B0604020202020204" pitchFamily="34" charset="0"/>
+              <a:ea typeface="Times New Roman" panose="02020603050405020304" pitchFamily="18" charset="0"/>
+              <a:cs typeface="Arial" panose="020B0604020202020204" pitchFamily="34" charset="0"/>
+            </a:endParaRPr>
+          </a:p>
+          <a:p>
+            <a:pPr marL="0" marR="0" lvl="0" indent="0" algn="l" defTabSz="914400" rtl="0" eaLnBrk="0" fontAlgn="base" latinLnBrk="0" hangingPunct="0">
+              <a:lnSpc>
+                <a:spcPct val="100000"/>
+              </a:lnSpc>
+              <a:spcBef>
+                <a:spcPct val="0"/>
+              </a:spcBef>
+              <a:spcAft>
+                <a:spcPct val="0"/>
+              </a:spcAft>
+              <a:buClrTx/>
+              <a:buSzTx/>
+              <a:buFontTx/>
+              <a:buNone/>
+              <a:tabLst/>
+            </a:pPr>
+            <a:r>
+              <a:rPr lang="en-US" altLang="en-US" sz="4000" dirty="0">
+                <a:solidFill>
+                  <a:schemeClr val="bg1"/>
+                </a:solidFill>
+                <a:latin typeface="Arial" panose="020B0604020202020204" pitchFamily="34" charset="0"/>
+                <a:ea typeface="Times New Roman" panose="02020603050405020304" pitchFamily="18" charset="0"/>
+                <a:cs typeface="Arial" panose="020B0604020202020204" pitchFamily="34" charset="0"/>
+              </a:rPr>
+              <a:t>- </a:t>
+            </a:r>
+            <a:r>
+              <a:rPr kumimoji="0" lang="en-US" altLang="en-US" sz="4000" b="0" i="0" u="none" strike="noStrike" cap="none" normalizeH="0" baseline="0" dirty="0">
+                <a:ln>
+                  <a:noFill/>
+                </a:ln>
+                <a:solidFill>
+                  <a:schemeClr val="bg1"/>
+                </a:solidFill>
+                <a:effectLst/>
+                <a:latin typeface="Arial" panose="020B0604020202020204" pitchFamily="34" charset="0"/>
+                <a:ea typeface="Times New Roman" panose="02020603050405020304" pitchFamily="18" charset="0"/>
+                <a:cs typeface="Arial" panose="020B0604020202020204" pitchFamily="34" charset="0"/>
+              </a:rPr>
+              <a:t>Analyzing faceoff data can provide students with a realistic application to regression modeling by looking into how much of an impact winning the draw/face-off has on the final results of a lacrosse game for both men and women. </a:t>
+            </a:r>
+          </a:p>
+        </p:txBody>
+      </p:sp>
+      <p:sp>
+        <p:nvSpPr>
+          <p:cNvPr id="4" name="TextBox 3">
+            <a:extLst>
+              <a:ext uri="{FF2B5EF4-FFF2-40B4-BE49-F238E27FC236}">
+                <a16:creationId xmlns:a16="http://schemas.microsoft.com/office/drawing/2014/main" id="{3F9C4068-9F2D-F2FB-3709-341ACE5A22E4}"/>
+              </a:ext>
+            </a:extLst>
+          </p:cNvPr>
+          <p:cNvSpPr txBox="1"/>
+          <p:nvPr/>
+        </p:nvSpPr>
+        <p:spPr>
+          <a:xfrm>
+            <a:off x="2223583" y="24839958"/>
+            <a:ext cx="9448800" cy="1107996"/>
+          </a:xfrm>
+          <a:prstGeom prst="rect">
+            <a:avLst/>
+          </a:prstGeom>
+          <a:noFill/>
+        </p:spPr>
+        <p:txBody>
+          <a:bodyPr wrap="square" rtlCol="0">
+            <a:spAutoFit/>
+          </a:bodyPr>
+          <a:lstStyle/>
+          <a:p>
+            <a:r>
+              <a:rPr lang="en-US" sz="6600" dirty="0">
+                <a:solidFill>
+                  <a:schemeClr val="bg1"/>
+                </a:solidFill>
+                <a:latin typeface="Arial" panose="020B0604020202020204" pitchFamily="34" charset="0"/>
+                <a:cs typeface="Arial" panose="020B0604020202020204" pitchFamily="34" charset="0"/>
+              </a:rPr>
+              <a:t>What are we looking at?</a:t>
+            </a:r>
+          </a:p>
+        </p:txBody>
+      </p:sp>
     </p:spTree>
     <p:extLst>
       <p:ext uri="{BB962C8B-B14F-4D97-AF65-F5344CB8AC3E}">
-        <p14:creationId xmlns:p14="http://schemas.microsoft.com/office/powerpoint/2010/main" val="3774079583"/>
+        <p14:creationId xmlns:p14="http://schemas.microsoft.com/office/powerpoint/2010/main" val="812013742"/>
       </p:ext>
     </p:extLst>
   </p:cSld>

--- a/jtyrrell/SYE_Poster_Final.pptx
+++ b/jtyrrell/SYE_Poster_Final.pptx
@@ -127,14 +127,6 @@
 <p188:authorLst xmlns:a="http://schemas.openxmlformats.org/drawingml/2006/main" xmlns:r="http://schemas.openxmlformats.org/officeDocument/2006/relationships" xmlns:p188="http://schemas.microsoft.com/office/powerpoint/2018/8/main">
   <p188:author id="{A51B6F37-B3E1-AFA4-F2DD-FF30D967A239}" name="Matthew Maslow" initials="MM" userId="S::mjmasl20@stlawu.edu::1ce7970f-4ea1-47bb-a8d0-63fe802cde15" providerId="AD"/>
 </p188:authorLst>
-</file>
-
-<file path=ppt/revisionInfo.xml><?xml version="1.0" encoding="utf-8"?>
-<p1510:revInfo xmlns:a="http://schemas.openxmlformats.org/drawingml/2006/main" xmlns:r="http://schemas.openxmlformats.org/officeDocument/2006/relationships" xmlns:p1510="http://schemas.microsoft.com/office/powerpoint/2015/10/main">
-  <p1510:revLst>
-    <p1510:client id="{3350BC41-B5B8-034C-98CF-372A580BC6E9}" v="9" dt="2025-04-17T14:25:11.020"/>
-  </p1510:revLst>
-</p1510:revInfo>
 </file>
 
 <file path=ppt/slideLayouts/slideLayout1.xml><?xml version="1.0" encoding="utf-8"?>
@@ -3489,8 +3481,8 @@
         </p:nvSpPr>
         <p:spPr>
           <a:xfrm>
-            <a:off x="15272643" y="22060603"/>
-            <a:ext cx="14121466" cy="9684574"/>
+            <a:off x="15268264" y="22072237"/>
+            <a:ext cx="13659472" cy="9684574"/>
           </a:xfrm>
           <a:prstGeom prst="rect">
             <a:avLst/>
@@ -3543,7 +3535,7 @@
               </a:lnSpc>
             </a:pPr>
             <a:r>
-              <a:rPr lang="en-US" sz="3600" dirty="0">
+              <a:rPr lang="en-US" sz="3600" i="1" dirty="0">
                 <a:solidFill>
                   <a:schemeClr val="bg1"/>
                 </a:solidFill>
@@ -3577,7 +3569,7 @@
               </a:lnSpc>
             </a:pPr>
             <a:r>
-              <a:rPr lang="en-US" sz="3600" dirty="0">
+              <a:rPr lang="en-US" sz="3600" i="1" dirty="0">
                 <a:solidFill>
                   <a:schemeClr val="bg1"/>
                 </a:solidFill>
@@ -3611,7 +3603,7 @@
               </a:lnSpc>
             </a:pPr>
             <a:r>
-              <a:rPr lang="en-US" sz="3600" dirty="0">
+              <a:rPr lang="en-US" sz="3600" i="1" dirty="0">
                 <a:solidFill>
                   <a:schemeClr val="bg1"/>
                 </a:solidFill>
@@ -3645,7 +3637,7 @@
               </a:lnSpc>
             </a:pPr>
             <a:r>
-              <a:rPr lang="en-US" sz="3600" dirty="0">
+              <a:rPr lang="en-US" sz="3600" i="1" dirty="0">
                 <a:solidFill>
                   <a:schemeClr val="bg1"/>
                 </a:solidFill>
@@ -3866,7 +3858,8 @@
                 <a:solidFill>
                   <a:schemeClr val="bg1"/>
                 </a:solidFill>
-                <a:latin typeface="Garamond" panose="02020404030301010803" pitchFamily="18" charset="0"/>
+                <a:latin typeface="Arial" panose="020B0604020202020204" pitchFamily="34" charset="0"/>
+                <a:cs typeface="Arial" panose="020B0604020202020204" pitchFamily="34" charset="0"/>
               </a:rPr>
               <a:t>Interaction Model</a:t>
             </a:r>
@@ -3907,11 +3900,15 @@
                 <a:solidFill>
                   <a:schemeClr val="bg1"/>
                 </a:solidFill>
-                <a:latin typeface="Garamond" panose="02020404030301010803" pitchFamily="18" charset="0"/>
+                <a:latin typeface="Arial" panose="020B0604020202020204" pitchFamily="34" charset="0"/>
+                <a:cs typeface="Arial" panose="020B0604020202020204" pitchFamily="34" charset="0"/>
               </a:rPr>
               <a:t>Logistic Regression Plots Division I Lacrosse</a:t>
             </a:r>
-            <a:endParaRPr lang="en-US" sz="6600" dirty="0"/>
+            <a:endParaRPr lang="en-US" sz="6600" dirty="0">
+              <a:latin typeface="Arial" panose="020B0604020202020204" pitchFamily="34" charset="0"/>
+              <a:cs typeface="Arial" panose="020B0604020202020204" pitchFamily="34" charset="0"/>
+            </a:endParaRPr>
           </a:p>
         </p:txBody>
       </p:sp>
@@ -4916,26 +4913,8 @@
                 <a:ea typeface="Times New Roman" panose="02020603050405020304" pitchFamily="18" charset="0"/>
                 <a:cs typeface="Arial" panose="020B0604020202020204" pitchFamily="34" charset="0"/>
               </a:rPr>
-              <a:t>- In both the men’s and women’s game, gaining possession of the faceoff (men’s) or draw control (women’s) is a crucial factor in determining success. </a:t>
-            </a:r>
-          </a:p>
-          <a:p>
-            <a:pPr marL="0" marR="0" lvl="0" indent="0" algn="l" defTabSz="914400" rtl="0" eaLnBrk="0" fontAlgn="base" latinLnBrk="0" hangingPunct="0">
-              <a:lnSpc>
-                <a:spcPct val="100000"/>
-              </a:lnSpc>
-              <a:spcBef>
-                <a:spcPct val="0"/>
-              </a:spcBef>
-              <a:spcAft>
-                <a:spcPct val="0"/>
-              </a:spcAft>
-              <a:buClrTx/>
-              <a:buSzTx/>
-              <a:buFontTx/>
-              <a:buNone/>
-              <a:tabLst/>
-            </a:pPr>
+              <a:t>- In both the men’s and women’s lacrosse game, gaining possession of the faceoff (men’s) or draw control (women’s) is a crucial factor in determining success. </a:t>
+            </a:r>
             <a:endParaRPr lang="en-US" altLang="en-US" sz="4000" dirty="0">
               <a:solidFill>
                 <a:schemeClr val="bg1"/>
